--- a/clases/Cap03_Seleccion_de_Caracteristicas/presentations/PAT03_GeneralSchema.pptx
+++ b/clases/Cap03_Seleccion_de_Caracteristicas/presentations/PAT03_GeneralSchema.pptx
@@ -5,8 +5,9 @@
     <p:sldMasterId id="2147483660" r:id="rId1"/>
   </p:sldMasterIdLst>
   <p:sldIdLst>
-    <p:sldId id="256" r:id="rId2"/>
-    <p:sldId id="257" r:id="rId3"/>
+    <p:sldId id="258" r:id="rId2"/>
+    <p:sldId id="256" r:id="rId3"/>
+    <p:sldId id="257" r:id="rId4"/>
   </p:sldIdLst>
   <p:sldSz cx="12192000" cy="21258213"/>
   <p:notesSz cx="6858000" cy="9144000"/>
@@ -2967,6 +2968,412 @@
           <a:chExt cx="0" cy="0"/>
         </a:xfrm>
       </p:grpSpPr>
+      <p:sp>
+        <p:nvSpPr>
+          <p:cNvPr id="4" name="TextBox 3">
+            <a:extLst>
+              <a:ext uri="{FF2B5EF4-FFF2-40B4-BE49-F238E27FC236}">
+                <a16:creationId xmlns:a16="http://schemas.microsoft.com/office/drawing/2014/main" id="{8D9CA8BF-4ABC-1E4D-AA77-50255000418F}"/>
+              </a:ext>
+            </a:extLst>
+          </p:cNvPr>
+          <p:cNvSpPr txBox="1"/>
+          <p:nvPr/>
+        </p:nvSpPr>
+        <p:spPr>
+          <a:xfrm>
+            <a:off x="1093216" y="921512"/>
+            <a:ext cx="8732712" cy="5847755"/>
+          </a:xfrm>
+          <a:prstGeom prst="rect">
+            <a:avLst/>
+          </a:prstGeom>
+          <a:noFill/>
+        </p:spPr>
+        <p:txBody>
+          <a:bodyPr wrap="none" rtlCol="0">
+            <a:spAutoFit/>
+          </a:bodyPr>
+          <a:lstStyle/>
+          <a:p>
+            <a:r>
+              <a:rPr lang="en-US" sz="3200" dirty="0" err="1"/>
+              <a:t>Esquema</a:t>
+            </a:r>
+            <a:r>
+              <a:rPr lang="en-US" sz="3200" dirty="0"/>
+              <a:t> General para </a:t>
+            </a:r>
+            <a:r>
+              <a:rPr lang="en-US" sz="3200" dirty="0" err="1"/>
+              <a:t>Selección</a:t>
+            </a:r>
+            <a:r>
+              <a:rPr lang="en-US" sz="3200" dirty="0"/>
+              <a:t> de </a:t>
+            </a:r>
+            <a:r>
+              <a:rPr lang="en-US" sz="3200" dirty="0" err="1"/>
+              <a:t>Características</a:t>
+            </a:r>
+            <a:r>
+              <a:rPr lang="en-US" sz="3200" dirty="0"/>
+              <a:t>:</a:t>
+            </a:r>
+          </a:p>
+          <a:p>
+            <a:endParaRPr lang="en-US" dirty="0"/>
+          </a:p>
+          <a:p>
+            <a:endParaRPr lang="en-US" dirty="0"/>
+          </a:p>
+          <a:p>
+            <a:r>
+              <a:rPr lang="en-US" dirty="0"/>
+              <a:t>0.	</a:t>
+            </a:r>
+            <a:r>
+              <a:rPr lang="en-US" dirty="0" err="1"/>
+              <a:t>Colección</a:t>
+            </a:r>
+            <a:r>
+              <a:rPr lang="en-US" dirty="0"/>
+              <a:t> de </a:t>
+            </a:r>
+            <a:r>
+              <a:rPr lang="en-US" dirty="0" err="1"/>
+              <a:t>datos</a:t>
+            </a:r>
+            <a:r>
+              <a:rPr lang="en-US" dirty="0"/>
+              <a:t> </a:t>
+            </a:r>
+            <a:r>
+              <a:rPr lang="en-US" dirty="0" err="1"/>
+              <a:t>originales</a:t>
+            </a:r>
+            <a:r>
+              <a:rPr lang="en-US" dirty="0"/>
+              <a:t> (</a:t>
+            </a:r>
+            <a:r>
+              <a:rPr lang="en-US" dirty="0" err="1"/>
+              <a:t>ejemplo</a:t>
+            </a:r>
+            <a:r>
+              <a:rPr lang="en-US" dirty="0"/>
+              <a:t>: </a:t>
+            </a:r>
+            <a:r>
+              <a:rPr lang="en-US" dirty="0" err="1"/>
+              <a:t>imágenes</a:t>
+            </a:r>
+            <a:r>
+              <a:rPr lang="en-US" dirty="0"/>
+              <a:t>)</a:t>
+            </a:r>
+          </a:p>
+          <a:p>
+            <a:endParaRPr lang="en-US" dirty="0"/>
+          </a:p>
+          <a:p>
+            <a:r>
+              <a:rPr lang="en-US" dirty="0"/>
+              <a:t>1.	 </a:t>
+            </a:r>
+            <a:r>
+              <a:rPr lang="en-US" dirty="0" err="1"/>
+              <a:t>Extracción</a:t>
+            </a:r>
+            <a:r>
+              <a:rPr lang="en-US" dirty="0"/>
+              <a:t> de </a:t>
+            </a:r>
+            <a:r>
+              <a:rPr lang="en-US" dirty="0" err="1"/>
+              <a:t>Características</a:t>
+            </a:r>
+            <a:r>
+              <a:rPr lang="en-US" dirty="0"/>
+              <a:t> </a:t>
+            </a:r>
+          </a:p>
+          <a:p>
+            <a:endParaRPr lang="en-US" dirty="0"/>
+          </a:p>
+          <a:p>
+            <a:r>
+              <a:rPr lang="en-US" dirty="0"/>
+              <a:t>2.	</a:t>
+            </a:r>
+            <a:r>
+              <a:rPr lang="en-US" dirty="0" err="1"/>
+              <a:t>Definición</a:t>
+            </a:r>
+            <a:r>
+              <a:rPr lang="en-US" dirty="0"/>
+              <a:t> de set de </a:t>
+            </a:r>
+            <a:r>
+              <a:rPr lang="en-US" dirty="0" err="1"/>
+              <a:t>datos</a:t>
+            </a:r>
+            <a:r>
+              <a:rPr lang="en-US" dirty="0"/>
+              <a:t> de Training / Testing</a:t>
+            </a:r>
+          </a:p>
+          <a:p>
+            <a:endParaRPr lang="en-US" dirty="0"/>
+          </a:p>
+          <a:p>
+            <a:r>
+              <a:rPr lang="en-US" dirty="0"/>
+              <a:t>3.	Cleaning: </a:t>
+            </a:r>
+            <a:r>
+              <a:rPr lang="en-US" dirty="0" err="1"/>
+              <a:t>eliminar</a:t>
+            </a:r>
+            <a:r>
+              <a:rPr lang="en-US" dirty="0"/>
+              <a:t> </a:t>
+            </a:r>
+            <a:r>
+              <a:rPr lang="en-US" dirty="0" err="1"/>
+              <a:t>características</a:t>
+            </a:r>
+            <a:r>
+              <a:rPr lang="en-US" dirty="0"/>
+              <a:t> </a:t>
+            </a:r>
+            <a:r>
+              <a:rPr lang="en-US" dirty="0" err="1"/>
+              <a:t>correlacionadas</a:t>
+            </a:r>
+            <a:r>
+              <a:rPr lang="en-US" dirty="0"/>
+              <a:t> o </a:t>
+            </a:r>
+            <a:r>
+              <a:rPr lang="en-US" dirty="0" err="1"/>
+              <a:t>constantes</a:t>
+            </a:r>
+            <a:endParaRPr lang="en-US" dirty="0"/>
+          </a:p>
+          <a:p>
+            <a:endParaRPr lang="en-US" dirty="0"/>
+          </a:p>
+          <a:p>
+            <a:r>
+              <a:rPr lang="en-US" dirty="0"/>
+              <a:t>4.	</a:t>
+            </a:r>
+            <a:r>
+              <a:rPr lang="en-US" dirty="0" err="1"/>
+              <a:t>Normalización</a:t>
+            </a:r>
+            <a:r>
+              <a:rPr lang="en-US" dirty="0"/>
+              <a:t> de </a:t>
+            </a:r>
+            <a:r>
+              <a:rPr lang="en-US" dirty="0" err="1"/>
+              <a:t>Características</a:t>
+            </a:r>
+            <a:r>
+              <a:rPr lang="en-US" dirty="0"/>
+              <a:t> (</a:t>
+            </a:r>
+            <a:r>
+              <a:rPr lang="en-US" dirty="0" err="1"/>
+              <a:t>ejemplo</a:t>
+            </a:r>
+            <a:r>
+              <a:rPr lang="en-US" dirty="0"/>
+              <a:t>: </a:t>
+            </a:r>
+            <a:r>
+              <a:rPr lang="en-US" dirty="0" err="1"/>
+              <a:t>MinMax</a:t>
+            </a:r>
+            <a:r>
+              <a:rPr lang="en-US" dirty="0"/>
+              <a:t>)</a:t>
+            </a:r>
+          </a:p>
+          <a:p>
+            <a:endParaRPr lang="en-US" dirty="0"/>
+          </a:p>
+          <a:p>
+            <a:r>
+              <a:rPr lang="en-US" dirty="0"/>
+              <a:t>5.	</a:t>
+            </a:r>
+            <a:r>
+              <a:rPr lang="en-US" dirty="0" err="1"/>
+              <a:t>Selección</a:t>
+            </a:r>
+            <a:r>
+              <a:rPr lang="en-US" dirty="0"/>
+              <a:t> de </a:t>
+            </a:r>
+            <a:r>
+              <a:rPr lang="en-US" dirty="0" err="1"/>
+              <a:t>Características</a:t>
+            </a:r>
+            <a:r>
+              <a:rPr lang="en-US" dirty="0"/>
+              <a:t> (</a:t>
+            </a:r>
+            <a:r>
+              <a:rPr lang="en-US" dirty="0" err="1"/>
+              <a:t>ejemplo</a:t>
+            </a:r>
+            <a:r>
+              <a:rPr lang="en-US" dirty="0"/>
+              <a:t>: SFS)</a:t>
+            </a:r>
+          </a:p>
+          <a:p>
+            <a:endParaRPr lang="en-US" dirty="0"/>
+          </a:p>
+          <a:p>
+            <a:r>
+              <a:rPr lang="en-US" dirty="0"/>
+              <a:t>6.	</a:t>
+            </a:r>
+            <a:r>
+              <a:rPr lang="en-US" dirty="0" err="1"/>
+              <a:t>Diseño</a:t>
+            </a:r>
+            <a:r>
+              <a:rPr lang="en-US" dirty="0"/>
+              <a:t> del </a:t>
+            </a:r>
+            <a:r>
+              <a:rPr lang="en-US" dirty="0" err="1"/>
+              <a:t>Clasificador</a:t>
+            </a:r>
+            <a:r>
+              <a:rPr lang="en-US" dirty="0"/>
+              <a:t> con </a:t>
+            </a:r>
+            <a:r>
+              <a:rPr lang="en-US" dirty="0" err="1"/>
+              <a:t>datos</a:t>
+            </a:r>
+            <a:r>
+              <a:rPr lang="en-US" dirty="0"/>
+              <a:t> de Training (</a:t>
+            </a:r>
+            <a:r>
+              <a:rPr lang="en-US" dirty="0" err="1"/>
+              <a:t>ejemplo</a:t>
+            </a:r>
+            <a:r>
+              <a:rPr lang="en-US" dirty="0"/>
+              <a:t>: KNN)</a:t>
+            </a:r>
+          </a:p>
+          <a:p>
+            <a:endParaRPr lang="en-US" dirty="0"/>
+          </a:p>
+          <a:p>
+            <a:r>
+              <a:rPr lang="en-US" dirty="0"/>
+              <a:t>7.	</a:t>
+            </a:r>
+            <a:r>
+              <a:rPr lang="en-US" dirty="0" err="1"/>
+              <a:t>Prueba</a:t>
+            </a:r>
+            <a:r>
+              <a:rPr lang="en-US" dirty="0"/>
+              <a:t> del </a:t>
+            </a:r>
+            <a:r>
+              <a:rPr lang="en-US" dirty="0" err="1"/>
+              <a:t>Clasificador</a:t>
+            </a:r>
+            <a:r>
+              <a:rPr lang="en-US" dirty="0"/>
+              <a:t> con </a:t>
+            </a:r>
+            <a:r>
+              <a:rPr lang="en-US" dirty="0" err="1"/>
+              <a:t>datos</a:t>
+            </a:r>
+            <a:r>
+              <a:rPr lang="en-US" dirty="0"/>
+              <a:t> de Testing</a:t>
+            </a:r>
+          </a:p>
+          <a:p>
+            <a:endParaRPr lang="en-US" dirty="0"/>
+          </a:p>
+          <a:p>
+            <a:r>
+              <a:rPr lang="en-US" dirty="0"/>
+              <a:t>8.	</a:t>
+            </a:r>
+            <a:r>
+              <a:rPr lang="en-US" dirty="0" err="1"/>
+              <a:t>Medición</a:t>
+            </a:r>
+            <a:r>
+              <a:rPr lang="en-US" dirty="0"/>
+              <a:t> de </a:t>
+            </a:r>
+            <a:r>
+              <a:rPr lang="en-US" dirty="0" err="1"/>
+              <a:t>desempeño</a:t>
+            </a:r>
+            <a:r>
+              <a:rPr lang="en-US" dirty="0"/>
+              <a:t> (</a:t>
+            </a:r>
+            <a:r>
+              <a:rPr lang="en-US" dirty="0" err="1"/>
+              <a:t>ejemplo</a:t>
+            </a:r>
+            <a:r>
+              <a:rPr lang="en-US" dirty="0"/>
+              <a:t>: Accuracy)</a:t>
+            </a:r>
+          </a:p>
+        </p:txBody>
+      </p:sp>
+    </p:spTree>
+    <p:extLst>
+      <p:ext uri="{BB962C8B-B14F-4D97-AF65-F5344CB8AC3E}">
+        <p14:creationId xmlns:p14="http://schemas.microsoft.com/office/powerpoint/2010/main" val="3794702804"/>
+      </p:ext>
+    </p:extLst>
+  </p:cSld>
+  <p:clrMapOvr>
+    <a:masterClrMapping/>
+  </p:clrMapOvr>
+</p:sld>
+</file>
+
+<file path=ppt/slides/slide2.xml><?xml version="1.0" encoding="utf-8"?>
+<p:sld xmlns:a="http://schemas.openxmlformats.org/drawingml/2006/main" xmlns:r="http://schemas.openxmlformats.org/officeDocument/2006/relationships" xmlns:p="http://schemas.openxmlformats.org/presentationml/2006/main">
+  <p:cSld>
+    <p:spTree>
+      <p:nvGrpSpPr>
+        <p:cNvPr id="1" name=""/>
+        <p:cNvGrpSpPr/>
+        <p:nvPr/>
+      </p:nvGrpSpPr>
+      <p:grpSpPr>
+        <a:xfrm>
+          <a:off x="0" y="0"/>
+          <a:ext cx="0" cy="0"/>
+          <a:chOff x="0" y="0"/>
+          <a:chExt cx="0" cy="0"/>
+        </a:xfrm>
+      </p:grpSpPr>
       <p:cxnSp>
         <p:nvCxnSpPr>
           <p:cNvPr id="4" name="Straight Arrow Connector 3">
@@ -8441,7 +8848,7 @@
 </p:sld>
 </file>
 
-<file path=ppt/slides/slide2.xml><?xml version="1.0" encoding="utf-8"?>
+<file path=ppt/slides/slide3.xml><?xml version="1.0" encoding="utf-8"?>
 <p:sld xmlns:a="http://schemas.openxmlformats.org/drawingml/2006/main" xmlns:r="http://schemas.openxmlformats.org/officeDocument/2006/relationships" xmlns:p="http://schemas.openxmlformats.org/presentationml/2006/main">
   <p:cSld>
     <p:spTree>
